--- a/AI for Youth Intel poster 690x980 (PL) final.pptx
+++ b/AI for Youth Intel poster 690x980 (PL) final.pptx
@@ -689,7 +689,7 @@
           </a:ln>
           <a:extLst>
             <a:ext uri="{C572A759-6A51-4108-AA02-DFA0A04FC94B}">
-              <ma14:wrappingTextBoxFlag xmlns="" xmlns:m="http://schemas.openxmlformats.org/officeDocument/2006/math" xmlns:a14="http://schemas.microsoft.com/office/drawing/2010/main" xmlns:ma14="http://schemas.microsoft.com/office/mac/drawingml/2011/main" val="1"/>
+              <ma14:wrappingTextBoxFlag xmlns:ma14="http://schemas.microsoft.com/office/mac/drawingml/2011/main" xmlns:a14="http://schemas.microsoft.com/office/drawing/2010/main" xmlns:m="http://schemas.openxmlformats.org/officeDocument/2006/math" xmlns="" val="1"/>
             </a:ext>
           </a:extLst>
         </p:spPr>
@@ -726,7 +726,7 @@
           </a:ln>
           <a:extLst>
             <a:ext uri="{C572A759-6A51-4108-AA02-DFA0A04FC94B}">
-              <ma14:wrappingTextBoxFlag xmlns="" xmlns:m="http://schemas.openxmlformats.org/officeDocument/2006/math" xmlns:a14="http://schemas.microsoft.com/office/drawing/2010/main" xmlns:ma14="http://schemas.microsoft.com/office/mac/drawingml/2011/main" val="1"/>
+              <ma14:wrappingTextBoxFlag xmlns:ma14="http://schemas.microsoft.com/office/mac/drawingml/2011/main" xmlns:a14="http://schemas.microsoft.com/office/drawing/2010/main" xmlns:m="http://schemas.openxmlformats.org/officeDocument/2006/math" xmlns="" val="1"/>
             </a:ext>
           </a:extLst>
         </p:spPr>
@@ -1567,7 +1567,7 @@
           </a:ln>
           <a:extLst>
             <a:ext uri="{C572A759-6A51-4108-AA02-DFA0A04FC94B}">
-              <ma14:wrappingTextBoxFlag xmlns="" xmlns:m="http://schemas.openxmlformats.org/officeDocument/2006/math" xmlns:a14="http://schemas.microsoft.com/office/drawing/2010/main" xmlns:ma14="http://schemas.microsoft.com/office/mac/drawingml/2011/main" val="1"/>
+              <ma14:wrappingTextBoxFlag xmlns:ma14="http://schemas.microsoft.com/office/mac/drawingml/2011/main" xmlns:a14="http://schemas.microsoft.com/office/drawing/2010/main" xmlns:m="http://schemas.openxmlformats.org/officeDocument/2006/math" xmlns="" val="1"/>
             </a:ext>
           </a:extLst>
         </p:spPr>
@@ -1602,7 +1602,7 @@
         <p:spPr>
           <a:xfrm>
             <a:off x="922337" y="11696699"/>
-            <a:ext cx="29235401" cy="1938988"/>
+            <a:ext cx="29235401" cy="2062099"/>
           </a:xfrm>
           <a:prstGeom prst="rect">
             <a:avLst/>
@@ -1612,7 +1612,7 @@
           </a:ln>
           <a:extLst>
             <a:ext uri="{C572A759-6A51-4108-AA02-DFA0A04FC94B}">
-              <ma14:wrappingTextBoxFlag xmlns="" xmlns:m="http://schemas.openxmlformats.org/officeDocument/2006/math" xmlns:a14="http://schemas.microsoft.com/office/drawing/2010/main" xmlns:ma14="http://schemas.microsoft.com/office/mac/drawingml/2011/main" val="1"/>
+              <ma14:wrappingTextBoxFlag xmlns:ma14="http://schemas.microsoft.com/office/mac/drawingml/2011/main" xmlns:a14="http://schemas.microsoft.com/office/drawing/2010/main" xmlns:m="http://schemas.openxmlformats.org/officeDocument/2006/math" xmlns="" val="1"/>
             </a:ext>
           </a:extLst>
         </p:spPr>
@@ -1632,10 +1632,10 @@
           </a:lstStyle>
           <a:p>
             <a:r>
-              <a:rPr lang="pl-PL" dirty="0"/>
+              <a:rPr lang="pl-PL" sz="3200" dirty="0"/>
               <a:t>Rozpoznawanie zwierząt nie jest rzeczą trudną. Koń jaki jest – każdy widzi. Co jeśli jednak musimy rozpoznać konkretny gatunek, na przykład pająka? Nasz program powstał właśnie z tą myślą. Przydatny dla turystów  udających się do krajów gdzie stworzenia żywe są nieco mniej przyjazne niż w Polsce, ale także dla mieszkańców niebezpiecznych terenów. Nasz algorytm rozpoznaje gatunek zwierzęcia po zdjęciu. Co prawda jak sama nazwa wskazuje – uczony był początkowo na stworkach z kreskówki „Pokemon”, ale przygotowywany był na kategoryzowanie prawdziwych zwierząt takich jak trujące pająki i węże.</a:t>
             </a:r>
-            <a:endParaRPr dirty="0"/>
+            <a:endParaRPr sz="3200" dirty="0"/>
           </a:p>
         </p:txBody>
       </p:sp>
@@ -1648,7 +1648,7 @@
         <p:spPr>
           <a:xfrm>
             <a:off x="1182687" y="16182975"/>
-            <a:ext cx="13773152" cy="2308320"/>
+            <a:ext cx="13773152" cy="2400653"/>
           </a:xfrm>
           <a:prstGeom prst="rect">
             <a:avLst/>
@@ -1658,7 +1658,7 @@
           </a:ln>
           <a:extLst>
             <a:ext uri="{C572A759-6A51-4108-AA02-DFA0A04FC94B}">
-              <ma14:wrappingTextBoxFlag xmlns="" xmlns:m="http://schemas.openxmlformats.org/officeDocument/2006/math" xmlns:a14="http://schemas.microsoft.com/office/drawing/2010/main" xmlns:ma14="http://schemas.microsoft.com/office/mac/drawingml/2011/main" val="1"/>
+              <ma14:wrappingTextBoxFlag xmlns:ma14="http://schemas.microsoft.com/office/mac/drawingml/2011/main" xmlns:a14="http://schemas.microsoft.com/office/drawing/2010/main" xmlns:m="http://schemas.openxmlformats.org/officeDocument/2006/math" xmlns="" val="1"/>
             </a:ext>
           </a:extLst>
         </p:spPr>
@@ -1679,29 +1679,24 @@
           <a:p>
             <a:pPr algn="l"/>
             <a:r>
-              <a:rPr lang="pl-PL" dirty="0"/>
+              <a:rPr lang="pl-PL" sz="2500" dirty="0"/>
               <a:t>Dla naszego projektu motywacją była chęć stworzenia czegoś co ułatwi turystykę zagraniczną. Chcieliśmy aby podróże były bezpieczne. Chcieliśmy więc wykorzystać sztuczną inteligencję do rozpoznawania czym jest napotkane zwierzę. I – jeśli nadejdzie taka potrzeba – rozpoznanie go może pomóc w podjęciu odpowiednich działań ratunkowych po hipotetycznym ukąszeniu.</a:t>
             </a:r>
           </a:p>
           <a:p>
             <a:pPr algn="l"/>
             <a:r>
-              <a:rPr lang="pl-PL" dirty="0"/>
+              <a:rPr lang="pl-PL" sz="2500" dirty="0"/>
               <a:t>Dodatkowo AI może pomóc </a:t>
             </a:r>
             <a:r>
-              <a:rPr lang="pl-PL" dirty="0" err="1"/>
+              <a:rPr lang="pl-PL" sz="2500" dirty="0" err="1"/>
               <a:t>redzennym</a:t>
             </a:r>
             <a:r>
-              <a:rPr lang="pl-PL" dirty="0"/>
-              <a:t> mieszkańcom niebezpiecznych terenów w wykonywaniu zadań </a:t>
+              <a:rPr lang="pl-PL" sz="2500" dirty="0"/>
+              <a:t> mieszkańcom niebezpiecznych terenów w wykonywaniu zadań życia codziennego.</a:t>
             </a:r>
-            <a:r>
-              <a:rPr lang="pl-PL"/>
-              <a:t>życia codziennego.</a:t>
-            </a:r>
-            <a:endParaRPr lang="pl-PL" dirty="0"/>
           </a:p>
         </p:txBody>
       </p:sp>
@@ -1714,7 +1709,7 @@
         <p:spPr>
           <a:xfrm>
             <a:off x="16195674" y="27322462"/>
-            <a:ext cx="13441364" cy="6001639"/>
+            <a:ext cx="13441364" cy="6247860"/>
           </a:xfrm>
           <a:prstGeom prst="rect">
             <a:avLst/>
@@ -1724,7 +1719,7 @@
           </a:ln>
           <a:extLst>
             <a:ext uri="{C572A759-6A51-4108-AA02-DFA0A04FC94B}">
-              <ma14:wrappingTextBoxFlag xmlns="" xmlns:m="http://schemas.openxmlformats.org/officeDocument/2006/math" xmlns:a14="http://schemas.microsoft.com/office/drawing/2010/main" xmlns:ma14="http://schemas.microsoft.com/office/mac/drawingml/2011/main" val="1"/>
+              <ma14:wrappingTextBoxFlag xmlns:ma14="http://schemas.microsoft.com/office/mac/drawingml/2011/main" xmlns:a14="http://schemas.microsoft.com/office/drawing/2010/main" xmlns:m="http://schemas.openxmlformats.org/officeDocument/2006/math" xmlns="" val="1"/>
             </a:ext>
           </a:extLst>
         </p:spPr>
@@ -1744,8 +1739,16 @@
           </a:lstStyle>
           <a:p>
             <a:r>
-              <a:rPr lang="pl-PL" dirty="0"/>
-              <a:t>To jest miejsce na opisanie jak przebiegał Twój projekt. Możesz to zrobić tekstem ciągłym, ale jeśli wolisz, możesz wypunktować kolejne etapy Twojego projektu. Jakich uzyłeś/aś algorytmów, skąd brałeś/aś dane itp. Maksymalnie 1500 znaków ze spacjami. Pamiętaj jednak, że możesz użyć mniej znaków! 1500 znaków to jest właśnie tyle.  1500 znaków to jest właśnie tyle. 1500 znaków to jest właśnie tyle. 1500 znaków to jest właśnie tyle. 1500 znaków to jest właśnie tyle. 1500 znaków to jest właśnie tyle. 1500 znaków to jest właśnie tyle. 1500 znaków to jest właśnie tyle. 1500 znaków to jest właśnie tyle. 1500 znaków to jest właśnie tyle. 1500 znaków to jest właśnie tyle. 1500 znaków to jest właśnie tyle. 1500 znaków to jest właśnie tyle. 1500 znaków to jest właśnie tyle. 1500 znaków to jest właśnie tyle. 1500 znaków to jest właśnie tyle. 1500 znaków to jest właśnie tyle. 1500 znaków to jest właśnie tyle. 1500 znaków to jest właśnie tyle. 1500 znaków to jest właśnie tyle. 1500 znaków to jest właśnie tyle. 1500 znaków to jest właśnie tyle. 1500 znaków to jest właśnie tyle. 1500 znaków to jest właśnie tyle. 1500 znaków to jest właśnie tyle. 1500 znaków to jest właśnie tyle. 1500 znaków to jest właśnie tyle. 1500 znaków to jest właśnie tyle. 1500 znaków to jest właśnie tyle. 1500 znaków to jest właśnie tyle. 1500 znaków to jest właśnie tyle. 1500 znaków to jest właśnie tyle. 1500 znaków to jest właśnie tyle. 1500 znaków to jest właśnie tyle. 1500 znaków to właśnie tyle. 1500 znaków to jest właśnie tyle.</a:t>
+              <a:rPr lang="pl-PL" sz="4000" dirty="0"/>
+              <a:t>Na początku zestaw danych podstawowych jest ładowany. Następnie specjalna funkcja wykonuje automatycznie przekształcenia na każdym obrazie. Zwiększa to zestaw danych. Kolejnym etapem jest kategoryzacja obrazów. Każda grafika jest odpowiednio kategoryzowana – konkretną nazwą obiektu znajdującą się na obrazie lub dodatkową kategorią oznaczającą brak poszukiwanego obiektu. Ostatnim etapem jest </a:t>
+            </a:r>
+            <a:r>
+              <a:rPr lang="pl-PL" sz="4000" dirty="0" err="1"/>
+              <a:t>jest</a:t>
+            </a:r>
+            <a:r>
+              <a:rPr lang="pl-PL" sz="4000" dirty="0"/>
+              <a:t> trenowanie sieci neuronowej. 20% obrazów z całego zestawu przeznaczana jest na dane treningowe. </a:t>
             </a:r>
           </a:p>
         </p:txBody>
@@ -1759,7 +1762,7 @@
         <p:spPr>
           <a:xfrm>
             <a:off x="1338261" y="36187062"/>
-            <a:ext cx="13498514" cy="2308320"/>
+            <a:ext cx="13498514" cy="6186305"/>
           </a:xfrm>
           <a:prstGeom prst="rect">
             <a:avLst/>
@@ -1769,7 +1772,7 @@
           </a:ln>
           <a:extLst>
             <a:ext uri="{C572A759-6A51-4108-AA02-DFA0A04FC94B}">
-              <ma14:wrappingTextBoxFlag xmlns="" xmlns:m="http://schemas.openxmlformats.org/officeDocument/2006/math" xmlns:a14="http://schemas.microsoft.com/office/drawing/2010/main" xmlns:ma14="http://schemas.microsoft.com/office/mac/drawingml/2011/main" val="1"/>
+              <ma14:wrappingTextBoxFlag xmlns:ma14="http://schemas.microsoft.com/office/mac/drawingml/2011/main" xmlns:a14="http://schemas.microsoft.com/office/drawing/2010/main" xmlns:m="http://schemas.openxmlformats.org/officeDocument/2006/math" xmlns="" val="1"/>
             </a:ext>
           </a:extLst>
         </p:spPr>
@@ -1788,19 +1791,16 @@
             </a:lvl1pPr>
           </a:lstStyle>
           <a:p>
-            <a:endParaRPr lang="pl-PL" dirty="0"/>
-          </a:p>
-          <a:p>
             <a:pPr algn="l"/>
             <a:r>
-              <a:rPr lang="pl-PL" dirty="0"/>
+              <a:rPr lang="pl-PL" sz="4400" dirty="0"/>
               <a:t>Nauczeni doświadczeniem jakim było tworzenie tego projektu poznaliśmy możliwości dostosowywania AI do własnych potrzeb. Nasz model jest gotów wypełnić lukę zarówno w przemyśle turystycznym jak i pomóc lokalnym mieszkańcom rozpoznawać typ zagrożenia.</a:t>
             </a:r>
           </a:p>
           <a:p>
             <a:pPr algn="l"/>
             <a:r>
-              <a:rPr lang="pl-PL" dirty="0"/>
+              <a:rPr lang="pl-PL" sz="4400" dirty="0"/>
               <a:t>Dzięki uniwersalności projekt będzie mógł powiększać swoją bazę danych o kolejne gatunki stworzeń oraz zostanie zaopatrzony w GUI dzięki któremu każdy mógłby użyć naszego programu.</a:t>
             </a:r>
           </a:p>
@@ -1825,7 +1825,7 @@
           </a:ln>
           <a:extLst>
             <a:ext uri="{C572A759-6A51-4108-AA02-DFA0A04FC94B}">
-              <ma14:wrappingTextBoxFlag xmlns="" xmlns:m="http://schemas.openxmlformats.org/officeDocument/2006/math" xmlns:a14="http://schemas.microsoft.com/office/drawing/2010/main" xmlns:ma14="http://schemas.microsoft.com/office/mac/drawingml/2011/main" val="1"/>
+              <ma14:wrappingTextBoxFlag xmlns:ma14="http://schemas.microsoft.com/office/mac/drawingml/2011/main" xmlns:a14="http://schemas.microsoft.com/office/drawing/2010/main" xmlns:m="http://schemas.openxmlformats.org/officeDocument/2006/math" xmlns="" val="1"/>
             </a:ext>
           </a:extLst>
         </p:spPr>
@@ -1894,7 +1894,7 @@
           </a:ln>
           <a:extLst>
             <a:ext uri="{C572A759-6A51-4108-AA02-DFA0A04FC94B}">
-              <ma14:wrappingTextBoxFlag xmlns="" xmlns:m="http://schemas.openxmlformats.org/officeDocument/2006/math" xmlns:a14="http://schemas.microsoft.com/office/drawing/2010/main" xmlns:ma14="http://schemas.microsoft.com/office/mac/drawingml/2011/main" val="1"/>
+              <ma14:wrappingTextBoxFlag xmlns:ma14="http://schemas.microsoft.com/office/mac/drawingml/2011/main" xmlns:a14="http://schemas.microsoft.com/office/drawing/2010/main" xmlns:m="http://schemas.openxmlformats.org/officeDocument/2006/math" xmlns="" val="1"/>
             </a:ext>
           </a:extLst>
         </p:spPr>
@@ -1941,7 +1941,7 @@
           </a:ln>
           <a:extLst>
             <a:ext uri="{C572A759-6A51-4108-AA02-DFA0A04FC94B}">
-              <ma14:wrappingTextBoxFlag xmlns="" xmlns:m="http://schemas.openxmlformats.org/officeDocument/2006/math" xmlns:a14="http://schemas.microsoft.com/office/drawing/2010/main" xmlns:ma14="http://schemas.microsoft.com/office/mac/drawingml/2011/main" val="1"/>
+              <ma14:wrappingTextBoxFlag xmlns:ma14="http://schemas.microsoft.com/office/mac/drawingml/2011/main" xmlns:a14="http://schemas.microsoft.com/office/drawing/2010/main" xmlns:m="http://schemas.openxmlformats.org/officeDocument/2006/math" xmlns="" val="1"/>
             </a:ext>
           </a:extLst>
         </p:spPr>
@@ -1995,7 +1995,7 @@
           </a:ln>
           <a:extLst>
             <a:ext uri="{C572A759-6A51-4108-AA02-DFA0A04FC94B}">
-              <ma14:wrappingTextBoxFlag xmlns="" xmlns:m="http://schemas.openxmlformats.org/officeDocument/2006/math" xmlns:a14="http://schemas.microsoft.com/office/drawing/2010/main" xmlns:ma14="http://schemas.microsoft.com/office/mac/drawingml/2011/main" val="1"/>
+              <ma14:wrappingTextBoxFlag xmlns:ma14="http://schemas.microsoft.com/office/mac/drawingml/2011/main" xmlns:a14="http://schemas.microsoft.com/office/drawing/2010/main" xmlns:m="http://schemas.openxmlformats.org/officeDocument/2006/math" xmlns="" val="1"/>
             </a:ext>
           </a:extLst>
         </p:spPr>
@@ -2039,7 +2039,7 @@
           </a:ln>
           <a:extLst>
             <a:ext uri="{C572A759-6A51-4108-AA02-DFA0A04FC94B}">
-              <ma14:wrappingTextBoxFlag xmlns="" xmlns:m="http://schemas.openxmlformats.org/officeDocument/2006/math" xmlns:a14="http://schemas.microsoft.com/office/drawing/2010/main" xmlns:ma14="http://schemas.microsoft.com/office/mac/drawingml/2011/main" val="1"/>
+              <ma14:wrappingTextBoxFlag xmlns:ma14="http://schemas.microsoft.com/office/mac/drawingml/2011/main" xmlns:a14="http://schemas.microsoft.com/office/drawing/2010/main" xmlns:m="http://schemas.openxmlformats.org/officeDocument/2006/math" xmlns="" val="1"/>
             </a:ext>
           </a:extLst>
         </p:spPr>
@@ -2083,7 +2083,7 @@
           </a:ln>
           <a:extLst>
             <a:ext uri="{C572A759-6A51-4108-AA02-DFA0A04FC94B}">
-              <ma14:wrappingTextBoxFlag xmlns="" xmlns:m="http://schemas.openxmlformats.org/officeDocument/2006/math" xmlns:a14="http://schemas.microsoft.com/office/drawing/2010/main" xmlns:ma14="http://schemas.microsoft.com/office/mac/drawingml/2011/main" val="1"/>
+              <ma14:wrappingTextBoxFlag xmlns:ma14="http://schemas.microsoft.com/office/mac/drawingml/2011/main" xmlns:a14="http://schemas.microsoft.com/office/drawing/2010/main" xmlns:m="http://schemas.openxmlformats.org/officeDocument/2006/math" xmlns="" val="1"/>
             </a:ext>
           </a:extLst>
         </p:spPr>
@@ -2127,7 +2127,7 @@
           </a:ln>
           <a:extLst>
             <a:ext uri="{C572A759-6A51-4108-AA02-DFA0A04FC94B}">
-              <ma14:wrappingTextBoxFlag xmlns="" xmlns:m="http://schemas.openxmlformats.org/officeDocument/2006/math" xmlns:a14="http://schemas.microsoft.com/office/drawing/2010/main" xmlns:ma14="http://schemas.microsoft.com/office/mac/drawingml/2011/main" val="1"/>
+              <ma14:wrappingTextBoxFlag xmlns:ma14="http://schemas.microsoft.com/office/mac/drawingml/2011/main" xmlns:a14="http://schemas.microsoft.com/office/drawing/2010/main" xmlns:m="http://schemas.openxmlformats.org/officeDocument/2006/math" xmlns="" val="1"/>
             </a:ext>
           </a:extLst>
         </p:spPr>
@@ -2177,7 +2177,7 @@
           </a:ln>
           <a:extLst>
             <a:ext uri="{C572A759-6A51-4108-AA02-DFA0A04FC94B}">
-              <ma14:wrappingTextBoxFlag xmlns="" xmlns:m="http://schemas.openxmlformats.org/officeDocument/2006/math" xmlns:a14="http://schemas.microsoft.com/office/drawing/2010/main" xmlns:ma14="http://schemas.microsoft.com/office/mac/drawingml/2011/main" val="1"/>
+              <ma14:wrappingTextBoxFlag xmlns:ma14="http://schemas.microsoft.com/office/mac/drawingml/2011/main" xmlns:a14="http://schemas.microsoft.com/office/drawing/2010/main" xmlns:m="http://schemas.openxmlformats.org/officeDocument/2006/math" xmlns="" val="1"/>
             </a:ext>
           </a:extLst>
         </p:spPr>
@@ -2222,7 +2222,7 @@
           </a:ln>
           <a:extLst>
             <a:ext uri="{C572A759-6A51-4108-AA02-DFA0A04FC94B}">
-              <ma14:wrappingTextBoxFlag xmlns="" xmlns:m="http://schemas.openxmlformats.org/officeDocument/2006/math" xmlns:a14="http://schemas.microsoft.com/office/drawing/2010/main" xmlns:ma14="http://schemas.microsoft.com/office/mac/drawingml/2011/main" val="1"/>
+              <ma14:wrappingTextBoxFlag xmlns:ma14="http://schemas.microsoft.com/office/mac/drawingml/2011/main" xmlns:a14="http://schemas.microsoft.com/office/drawing/2010/main" xmlns:m="http://schemas.openxmlformats.org/officeDocument/2006/math" xmlns="" val="1"/>
             </a:ext>
           </a:extLst>
         </p:spPr>
@@ -2267,7 +2267,7 @@
           </a:ln>
           <a:extLst>
             <a:ext uri="{C572A759-6A51-4108-AA02-DFA0A04FC94B}">
-              <ma14:wrappingTextBoxFlag xmlns="" xmlns:m="http://schemas.openxmlformats.org/officeDocument/2006/math" xmlns:a14="http://schemas.microsoft.com/office/drawing/2010/main" xmlns:ma14="http://schemas.microsoft.com/office/mac/drawingml/2011/main" val="1"/>
+              <ma14:wrappingTextBoxFlag xmlns:ma14="http://schemas.microsoft.com/office/mac/drawingml/2011/main" xmlns:a14="http://schemas.microsoft.com/office/drawing/2010/main" xmlns:m="http://schemas.openxmlformats.org/officeDocument/2006/math" xmlns="" val="1"/>
             </a:ext>
           </a:extLst>
         </p:spPr>
@@ -2312,7 +2312,7 @@
           </a:ln>
           <a:extLst>
             <a:ext uri="{C572A759-6A51-4108-AA02-DFA0A04FC94B}">
-              <ma14:wrappingTextBoxFlag xmlns="" xmlns:m="http://schemas.openxmlformats.org/officeDocument/2006/math" xmlns:a14="http://schemas.microsoft.com/office/drawing/2010/main" xmlns:ma14="http://schemas.microsoft.com/office/mac/drawingml/2011/main" val="1"/>
+              <ma14:wrappingTextBoxFlag xmlns:ma14="http://schemas.microsoft.com/office/mac/drawingml/2011/main" xmlns:a14="http://schemas.microsoft.com/office/drawing/2010/main" xmlns:m="http://schemas.openxmlformats.org/officeDocument/2006/math" xmlns="" val="1"/>
             </a:ext>
           </a:extLst>
         </p:spPr>
@@ -2357,7 +2357,7 @@
           </a:ln>
           <a:extLst>
             <a:ext uri="{C572A759-6A51-4108-AA02-DFA0A04FC94B}">
-              <ma14:wrappingTextBoxFlag xmlns="" xmlns:m="http://schemas.openxmlformats.org/officeDocument/2006/math" xmlns:a14="http://schemas.microsoft.com/office/drawing/2010/main" xmlns:ma14="http://schemas.microsoft.com/office/mac/drawingml/2011/main" val="1"/>
+              <ma14:wrappingTextBoxFlag xmlns:ma14="http://schemas.microsoft.com/office/mac/drawingml/2011/main" xmlns:a14="http://schemas.microsoft.com/office/drawing/2010/main" xmlns:m="http://schemas.openxmlformats.org/officeDocument/2006/math" xmlns="" val="1"/>
             </a:ext>
           </a:extLst>
         </p:spPr>
@@ -2402,7 +2402,7 @@
           </a:ln>
           <a:extLst>
             <a:ext uri="{C572A759-6A51-4108-AA02-DFA0A04FC94B}">
-              <ma14:wrappingTextBoxFlag xmlns="" xmlns:m="http://schemas.openxmlformats.org/officeDocument/2006/math" xmlns:a14="http://schemas.microsoft.com/office/drawing/2010/main" xmlns:ma14="http://schemas.microsoft.com/office/mac/drawingml/2011/main" val="1"/>
+              <ma14:wrappingTextBoxFlag xmlns:ma14="http://schemas.microsoft.com/office/mac/drawingml/2011/main" xmlns:a14="http://schemas.microsoft.com/office/drawing/2010/main" xmlns:m="http://schemas.openxmlformats.org/officeDocument/2006/math" xmlns="" val="1"/>
             </a:ext>
           </a:extLst>
         </p:spPr>
@@ -2459,7 +2459,7 @@
           </a:ln>
           <a:extLst>
             <a:ext uri="{C572A759-6A51-4108-AA02-DFA0A04FC94B}">
-              <ma14:wrappingTextBoxFlag xmlns="" xmlns:m="http://schemas.openxmlformats.org/officeDocument/2006/math" xmlns:a14="http://schemas.microsoft.com/office/drawing/2010/main" xmlns:ma14="http://schemas.microsoft.com/office/mac/drawingml/2011/main" val="1"/>
+              <ma14:wrappingTextBoxFlag xmlns:ma14="http://schemas.microsoft.com/office/mac/drawingml/2011/main" xmlns:a14="http://schemas.microsoft.com/office/drawing/2010/main" xmlns:m="http://schemas.openxmlformats.org/officeDocument/2006/math" xmlns="" val="1"/>
             </a:ext>
           </a:extLst>
         </p:spPr>
@@ -2513,7 +2513,7 @@
           </a:ln>
           <a:extLst>
             <a:ext uri="{C572A759-6A51-4108-AA02-DFA0A04FC94B}">
-              <ma14:wrappingTextBoxFlag xmlns="" xmlns:m="http://schemas.openxmlformats.org/officeDocument/2006/math" xmlns:a14="http://schemas.microsoft.com/office/drawing/2010/main" xmlns:ma14="http://schemas.microsoft.com/office/mac/drawingml/2011/main" val="1"/>
+              <ma14:wrappingTextBoxFlag xmlns:ma14="http://schemas.microsoft.com/office/mac/drawingml/2011/main" xmlns:a14="http://schemas.microsoft.com/office/drawing/2010/main" xmlns:m="http://schemas.openxmlformats.org/officeDocument/2006/math" xmlns="" val="1"/>
             </a:ext>
           </a:extLst>
         </p:spPr>
